--- a/004_LaTeX/MOTOR_CONTROLLER_THESIS/TEXT/Images/flowcharts/flowcharts.pptx
+++ b/004_LaTeX/MOTOR_CONTROLLER_THESIS/TEXT/Images/flowcharts/flowcharts.pptx
@@ -253,7 +253,7 @@
           <a:p>
             <a:fld id="{781C7F9F-945E-4AE7-A9D7-C709DB17CF37}" type="datetimeFigureOut">
               <a:rPr lang="en-GB" smtClean="0"/>
-              <a:t>30/11/2017</a:t>
+              <a:t>01/12/2017</a:t>
             </a:fld>
             <a:endParaRPr lang="en-GB"/>
           </a:p>
@@ -423,7 +423,7 @@
           <a:p>
             <a:fld id="{781C7F9F-945E-4AE7-A9D7-C709DB17CF37}" type="datetimeFigureOut">
               <a:rPr lang="en-GB" smtClean="0"/>
-              <a:t>30/11/2017</a:t>
+              <a:t>01/12/2017</a:t>
             </a:fld>
             <a:endParaRPr lang="en-GB"/>
           </a:p>
@@ -603,7 +603,7 @@
           <a:p>
             <a:fld id="{781C7F9F-945E-4AE7-A9D7-C709DB17CF37}" type="datetimeFigureOut">
               <a:rPr lang="en-GB" smtClean="0"/>
-              <a:t>30/11/2017</a:t>
+              <a:t>01/12/2017</a:t>
             </a:fld>
             <a:endParaRPr lang="en-GB"/>
           </a:p>
@@ -773,7 +773,7 @@
           <a:p>
             <a:fld id="{781C7F9F-945E-4AE7-A9D7-C709DB17CF37}" type="datetimeFigureOut">
               <a:rPr lang="en-GB" smtClean="0"/>
-              <a:t>30/11/2017</a:t>
+              <a:t>01/12/2017</a:t>
             </a:fld>
             <a:endParaRPr lang="en-GB"/>
           </a:p>
@@ -1017,7 +1017,7 @@
           <a:p>
             <a:fld id="{781C7F9F-945E-4AE7-A9D7-C709DB17CF37}" type="datetimeFigureOut">
               <a:rPr lang="en-GB" smtClean="0"/>
-              <a:t>30/11/2017</a:t>
+              <a:t>01/12/2017</a:t>
             </a:fld>
             <a:endParaRPr lang="en-GB"/>
           </a:p>
@@ -1249,7 +1249,7 @@
           <a:p>
             <a:fld id="{781C7F9F-945E-4AE7-A9D7-C709DB17CF37}" type="datetimeFigureOut">
               <a:rPr lang="en-GB" smtClean="0"/>
-              <a:t>30/11/2017</a:t>
+              <a:t>01/12/2017</a:t>
             </a:fld>
             <a:endParaRPr lang="en-GB"/>
           </a:p>
@@ -1616,7 +1616,7 @@
           <a:p>
             <a:fld id="{781C7F9F-945E-4AE7-A9D7-C709DB17CF37}" type="datetimeFigureOut">
               <a:rPr lang="en-GB" smtClean="0"/>
-              <a:t>30/11/2017</a:t>
+              <a:t>01/12/2017</a:t>
             </a:fld>
             <a:endParaRPr lang="en-GB"/>
           </a:p>
@@ -1734,7 +1734,7 @@
           <a:p>
             <a:fld id="{781C7F9F-945E-4AE7-A9D7-C709DB17CF37}" type="datetimeFigureOut">
               <a:rPr lang="en-GB" smtClean="0"/>
-              <a:t>30/11/2017</a:t>
+              <a:t>01/12/2017</a:t>
             </a:fld>
             <a:endParaRPr lang="en-GB"/>
           </a:p>
@@ -1829,7 +1829,7 @@
           <a:p>
             <a:fld id="{781C7F9F-945E-4AE7-A9D7-C709DB17CF37}" type="datetimeFigureOut">
               <a:rPr lang="en-GB" smtClean="0"/>
-              <a:t>30/11/2017</a:t>
+              <a:t>01/12/2017</a:t>
             </a:fld>
             <a:endParaRPr lang="en-GB"/>
           </a:p>
@@ -2106,7 +2106,7 @@
           <a:p>
             <a:fld id="{781C7F9F-945E-4AE7-A9D7-C709DB17CF37}" type="datetimeFigureOut">
               <a:rPr lang="en-GB" smtClean="0"/>
-              <a:t>30/11/2017</a:t>
+              <a:t>01/12/2017</a:t>
             </a:fld>
             <a:endParaRPr lang="en-GB"/>
           </a:p>
@@ -2363,7 +2363,7 @@
           <a:p>
             <a:fld id="{781C7F9F-945E-4AE7-A9D7-C709DB17CF37}" type="datetimeFigureOut">
               <a:rPr lang="en-GB" smtClean="0"/>
-              <a:t>30/11/2017</a:t>
+              <a:t>01/12/2017</a:t>
             </a:fld>
             <a:endParaRPr lang="en-GB"/>
           </a:p>
@@ -2576,7 +2576,7 @@
           <a:p>
             <a:fld id="{781C7F9F-945E-4AE7-A9D7-C709DB17CF37}" type="datetimeFigureOut">
               <a:rPr lang="en-GB" smtClean="0"/>
-              <a:t>30/11/2017</a:t>
+              <a:t>01/12/2017</a:t>
             </a:fld>
             <a:endParaRPr lang="en-GB"/>
           </a:p>
@@ -2983,10 +2983,10 @@
       </p:grpSpPr>
       <p:grpSp>
         <p:nvGrpSpPr>
-          <p:cNvPr id="8" name="Grupo 7">
+          <p:cNvPr id="2" name="Grupo 1">
             <a:extLst>
               <a:ext uri="{FF2B5EF4-FFF2-40B4-BE49-F238E27FC236}">
-                <a16:creationId xmlns:a16="http://schemas.microsoft.com/office/drawing/2014/main" id="{0EFA8CF0-1CA6-4960-AC87-4960A7924D7A}"/>
+                <a16:creationId xmlns:a16="http://schemas.microsoft.com/office/drawing/2014/main" id="{BBC195CA-8B5A-414F-860B-575FC65F29CD}"/>
               </a:ext>
             </a:extLst>
           </p:cNvPr>
@@ -2995,18 +2995,18 @@
         </p:nvGrpSpPr>
         <p:grpSpPr>
           <a:xfrm>
-            <a:off x="0" y="1193800"/>
+            <a:off x="43542" y="1193800"/>
             <a:ext cx="6633029" cy="7979230"/>
-            <a:chOff x="1581045" y="3925684"/>
-            <a:chExt cx="3879868" cy="4484991"/>
+            <a:chOff x="43542" y="1193800"/>
+            <a:chExt cx="6633029" cy="7979230"/>
           </a:xfrm>
         </p:grpSpPr>
         <p:sp>
           <p:nvSpPr>
-            <p:cNvPr id="4" name="Diagrama de flujo: terminador 3">
-              <a:extLst>
-                <a:ext uri="{FF2B5EF4-FFF2-40B4-BE49-F238E27FC236}">
-                  <a16:creationId xmlns:a16="http://schemas.microsoft.com/office/drawing/2014/main" id="{934F8F9F-C0AC-4880-89A2-EB05C655BB5A}"/>
+            <p:cNvPr id="7" name="Diagrama de flujo: decisión 6">
+              <a:extLst>
+                <a:ext uri="{FF2B5EF4-FFF2-40B4-BE49-F238E27FC236}">
+                  <a16:creationId xmlns:a16="http://schemas.microsoft.com/office/drawing/2014/main" id="{D949F5BD-D368-463C-B903-4BC07097A0EC}"/>
                 </a:ext>
               </a:extLst>
             </p:cNvPr>
@@ -3015,10 +3015,10 @@
           </p:nvSpPr>
           <p:spPr>
             <a:xfrm>
-              <a:off x="1870611" y="3925684"/>
-              <a:ext cx="514455" cy="143742"/>
-            </a:xfrm>
-            <a:prstGeom prst="flowChartTerminator">
+              <a:off x="43542" y="3432817"/>
+              <a:ext cx="1869595" cy="1108170"/>
+            </a:xfrm>
+            <a:prstGeom prst="flowChartDecision">
               <a:avLst/>
             </a:prstGeom>
           </p:spPr>
@@ -3144,17 +3144,17 @@
               <a:pPr algn="ctr"/>
               <a:r>
                 <a:rPr lang="en-US" sz="1000" dirty="0"/>
-                <a:t>Start</a:t>
+                <a:t>New Hall encoder value different than previous one</a:t>
               </a:r>
             </a:p>
           </p:txBody>
         </p:sp>
         <p:sp>
           <p:nvSpPr>
-            <p:cNvPr id="5" name="Diagrama de flujo: proceso 4">
-              <a:extLst>
-                <a:ext uri="{FF2B5EF4-FFF2-40B4-BE49-F238E27FC236}">
-                  <a16:creationId xmlns:a16="http://schemas.microsoft.com/office/drawing/2014/main" id="{C17E28AC-DE2F-429F-87B1-1E81268450EE}"/>
+            <p:cNvPr id="4" name="Diagrama de flujo: terminador 3">
+              <a:extLst>
+                <a:ext uri="{FF2B5EF4-FFF2-40B4-BE49-F238E27FC236}">
+                  <a16:creationId xmlns:a16="http://schemas.microsoft.com/office/drawing/2014/main" id="{934F8F9F-C0AC-4880-89A2-EB05C655BB5A}"/>
                 </a:ext>
               </a:extLst>
             </p:cNvPr>
@@ -3163,10 +3163,10 @@
           </p:nvSpPr>
           <p:spPr>
             <a:xfrm>
-              <a:off x="1792341" y="4274775"/>
-              <a:ext cx="670996" cy="250218"/>
-            </a:xfrm>
-            <a:prstGeom prst="flowChartProcess">
+              <a:off x="538585" y="1193800"/>
+              <a:ext cx="879513" cy="255731"/>
+            </a:xfrm>
+            <a:prstGeom prst="flowChartTerminator">
               <a:avLst/>
             </a:prstGeom>
           </p:spPr>
@@ -3292,17 +3292,17 @@
               <a:pPr algn="ctr"/>
               <a:r>
                 <a:rPr lang="en-US" sz="1000" dirty="0"/>
-                <a:t>Store previous Hall encoder value</a:t>
+                <a:t>Start</a:t>
               </a:r>
             </a:p>
           </p:txBody>
         </p:sp>
         <p:sp>
           <p:nvSpPr>
-            <p:cNvPr id="7" name="Diagrama de flujo: decisión 6">
-              <a:extLst>
-                <a:ext uri="{FF2B5EF4-FFF2-40B4-BE49-F238E27FC236}">
-                  <a16:creationId xmlns:a16="http://schemas.microsoft.com/office/drawing/2014/main" id="{D949F5BD-D368-463C-B903-4BC07097A0EC}"/>
+            <p:cNvPr id="5" name="Diagrama de flujo: proceso 4">
+              <a:extLst>
+                <a:ext uri="{FF2B5EF4-FFF2-40B4-BE49-F238E27FC236}">
+                  <a16:creationId xmlns:a16="http://schemas.microsoft.com/office/drawing/2014/main" id="{C17E28AC-DE2F-429F-87B1-1E81268450EE}"/>
                 </a:ext>
               </a:extLst>
             </p:cNvPr>
@@ -3311,10 +3311,10 @@
           </p:nvSpPr>
           <p:spPr>
             <a:xfrm>
-              <a:off x="1581045" y="5184198"/>
-              <a:ext cx="1093585" cy="622884"/>
-            </a:xfrm>
-            <a:prstGeom prst="flowChartDecision">
+              <a:off x="404774" y="1814866"/>
+              <a:ext cx="1147136" cy="445162"/>
+            </a:xfrm>
+            <a:prstGeom prst="flowChartProcess">
               <a:avLst/>
             </a:prstGeom>
           </p:spPr>
@@ -3440,7 +3440,7 @@
               <a:pPr algn="ctr"/>
               <a:r>
                 <a:rPr lang="en-US" sz="1000" dirty="0"/>
-                <a:t>New Hall encoder value different than previous one</a:t>
+                <a:t>Store previous Hall encoder value</a:t>
               </a:r>
             </a:p>
           </p:txBody>
@@ -3459,8 +3459,8 @@
           </p:nvSpPr>
           <p:spPr>
             <a:xfrm>
-              <a:off x="1792339" y="5998754"/>
-              <a:ext cx="670996" cy="250218"/>
+              <a:off x="404771" y="4881991"/>
+              <a:ext cx="1147136" cy="445162"/>
             </a:xfrm>
             <a:prstGeom prst="flowChartProcess">
               <a:avLst/>
@@ -3607,8 +3607,8 @@
           </p:nvSpPr>
           <p:spPr>
             <a:xfrm>
-              <a:off x="1792339" y="6471149"/>
-              <a:ext cx="670996" cy="250218"/>
+              <a:off x="404771" y="5722427"/>
+              <a:ext cx="1147136" cy="445162"/>
             </a:xfrm>
             <a:prstGeom prst="flowChartProcess">
               <a:avLst/>
@@ -3755,8 +3755,8 @@
           </p:nvSpPr>
           <p:spPr>
             <a:xfrm>
-              <a:off x="1725827" y="6936054"/>
-              <a:ext cx="804021" cy="622884"/>
+              <a:off x="291062" y="6549538"/>
+              <a:ext cx="1374556" cy="1108170"/>
             </a:xfrm>
             <a:prstGeom prst="flowChartDecision">
               <a:avLst/>
@@ -3903,8 +3903,8 @@
           </p:nvSpPr>
           <p:spPr>
             <a:xfrm>
-              <a:off x="3163382" y="8266933"/>
-              <a:ext cx="514455" cy="143742"/>
+              <a:off x="2748708" y="8917299"/>
+              <a:ext cx="879513" cy="255731"/>
             </a:xfrm>
             <a:prstGeom prst="flowChartTerminator">
               <a:avLst/>
@@ -4055,8 +4055,8 @@
           </p:nvCxnSpPr>
           <p:spPr>
             <a:xfrm>
-              <a:off x="2127839" y="4069426"/>
-              <a:ext cx="0" cy="205349"/>
+              <a:off x="978342" y="1449531"/>
+              <a:ext cx="0" cy="365336"/>
             </a:xfrm>
             <a:prstGeom prst="straightConnector1">
               <a:avLst/>
@@ -4098,8 +4098,8 @@
           </p:nvCxnSpPr>
           <p:spPr>
             <a:xfrm flipH="1">
-              <a:off x="2127837" y="4524993"/>
-              <a:ext cx="2" cy="204038"/>
+              <a:off x="978339" y="2260028"/>
+              <a:ext cx="3" cy="363003"/>
             </a:xfrm>
             <a:prstGeom prst="straightConnector1">
               <a:avLst/>
@@ -4141,8 +4141,8 @@
           </p:nvCxnSpPr>
           <p:spPr>
             <a:xfrm>
-              <a:off x="2127837" y="4979249"/>
-              <a:ext cx="1" cy="204949"/>
+              <a:off x="978339" y="3068194"/>
+              <a:ext cx="14515" cy="364623"/>
             </a:xfrm>
             <a:prstGeom prst="straightConnector1">
               <a:avLst/>
@@ -4183,8 +4183,8 @@
           </p:nvCxnSpPr>
           <p:spPr>
             <a:xfrm flipH="1">
-              <a:off x="2127837" y="5807082"/>
-              <a:ext cx="1" cy="191672"/>
+              <a:off x="978339" y="4540987"/>
+              <a:ext cx="14515" cy="341004"/>
             </a:xfrm>
             <a:prstGeom prst="straightConnector1">
               <a:avLst/>
@@ -4226,8 +4226,8 @@
           </p:nvCxnSpPr>
           <p:spPr>
             <a:xfrm>
-              <a:off x="2127837" y="6248972"/>
-              <a:ext cx="0" cy="222177"/>
+              <a:off x="978339" y="5327153"/>
+              <a:ext cx="0" cy="395274"/>
             </a:xfrm>
             <a:prstGeom prst="straightConnector1">
               <a:avLst/>
@@ -4268,8 +4268,8 @@
           </p:nvCxnSpPr>
           <p:spPr>
             <a:xfrm>
-              <a:off x="2127837" y="6721367"/>
-              <a:ext cx="1" cy="214687"/>
+              <a:off x="978339" y="6167589"/>
+              <a:ext cx="2" cy="381949"/>
             </a:xfrm>
             <a:prstGeom prst="straightConnector1">
               <a:avLst/>
@@ -4310,8 +4310,8 @@
           </p:nvCxnSpPr>
           <p:spPr>
             <a:xfrm>
-              <a:off x="2127838" y="7558938"/>
-              <a:ext cx="0" cy="200063"/>
+              <a:off x="978340" y="7657708"/>
+              <a:ext cx="0" cy="355931"/>
             </a:xfrm>
             <a:prstGeom prst="straightConnector1">
               <a:avLst/>
@@ -4349,8 +4349,8 @@
           </p:nvSpPr>
           <p:spPr>
             <a:xfrm>
-              <a:off x="2115318" y="5775043"/>
-              <a:ext cx="297681" cy="138397"/>
+              <a:off x="956936" y="4483987"/>
+              <a:ext cx="508916" cy="246222"/>
             </a:xfrm>
             <a:prstGeom prst="rect">
               <a:avLst/>
@@ -4385,8 +4385,8 @@
           </p:nvSpPr>
           <p:spPr>
             <a:xfrm>
-              <a:off x="2616007" y="5312385"/>
-              <a:ext cx="264816" cy="138397"/>
+              <a:off x="1812915" y="3660874"/>
+              <a:ext cx="452730" cy="246222"/>
             </a:xfrm>
             <a:prstGeom prst="rect">
               <a:avLst/>
@@ -4421,8 +4421,8 @@
           </p:nvSpPr>
           <p:spPr>
             <a:xfrm>
-              <a:off x="4167624" y="5184198"/>
-              <a:ext cx="1093585" cy="622884"/>
+              <a:off x="4465562" y="3432817"/>
+              <a:ext cx="1869595" cy="1108170"/>
             </a:xfrm>
             <a:prstGeom prst="flowChartDecision">
               <a:avLst/>
@@ -4587,8 +4587,8 @@
           </p:nvSpPr>
           <p:spPr>
             <a:xfrm>
-              <a:off x="2874335" y="5184198"/>
-              <a:ext cx="1093585" cy="622884"/>
+              <a:off x="2254553" y="3432817"/>
+              <a:ext cx="1869595" cy="1108170"/>
             </a:xfrm>
             <a:prstGeom prst="flowChartDecision">
               <a:avLst/>
@@ -4749,8 +4749,8 @@
           </p:nvSpPr>
           <p:spPr>
             <a:xfrm>
-              <a:off x="3085114" y="7113649"/>
-              <a:ext cx="670996" cy="250218"/>
+              <a:off x="2614901" y="6865496"/>
+              <a:ext cx="1147136" cy="445162"/>
             </a:xfrm>
             <a:prstGeom prst="flowChartProcess">
               <a:avLst/>
@@ -4907,8 +4907,8 @@
           </p:nvCxnSpPr>
           <p:spPr>
             <a:xfrm>
-              <a:off x="2674630" y="5495640"/>
-              <a:ext cx="199704" cy="0"/>
+              <a:off x="1927651" y="3986902"/>
+              <a:ext cx="326902" cy="0"/>
             </a:xfrm>
             <a:prstGeom prst="straightConnector1">
               <a:avLst/>
@@ -4949,8 +4949,8 @@
           </p:nvCxnSpPr>
           <p:spPr>
             <a:xfrm>
-              <a:off x="3967920" y="5495640"/>
-              <a:ext cx="199704" cy="0"/>
+              <a:off x="4124148" y="3986903"/>
+              <a:ext cx="341414" cy="0"/>
             </a:xfrm>
             <a:prstGeom prst="straightConnector1">
               <a:avLst/>
@@ -4992,8 +4992,8 @@
           </p:nvCxnSpPr>
           <p:spPr>
             <a:xfrm flipH="1">
-              <a:off x="3420612" y="5807082"/>
-              <a:ext cx="516" cy="372920"/>
+              <a:off x="3188469" y="4540988"/>
+              <a:ext cx="882" cy="663461"/>
             </a:xfrm>
             <a:prstGeom prst="straightConnector1">
               <a:avLst/>
@@ -5035,8 +5035,8 @@
           </p:nvCxnSpPr>
           <p:spPr>
             <a:xfrm flipH="1">
-              <a:off x="4713386" y="5807082"/>
-              <a:ext cx="1031" cy="372920"/>
+              <a:off x="5398598" y="4540988"/>
+              <a:ext cx="1763" cy="663461"/>
             </a:xfrm>
             <a:prstGeom prst="straightConnector1">
               <a:avLst/>
@@ -5078,8 +5078,8 @@
           </p:nvCxnSpPr>
           <p:spPr>
             <a:xfrm>
-              <a:off x="3420612" y="6617275"/>
-              <a:ext cx="0" cy="496374"/>
+              <a:off x="3188469" y="5982399"/>
+              <a:ext cx="0" cy="883097"/>
             </a:xfrm>
             <a:prstGeom prst="straightConnector1">
               <a:avLst/>
@@ -5117,8 +5117,8 @@
           </p:nvSpPr>
           <p:spPr>
             <a:xfrm>
-              <a:off x="3915785" y="5296448"/>
-              <a:ext cx="264816" cy="138397"/>
+              <a:off x="4035018" y="3632521"/>
+              <a:ext cx="452730" cy="246222"/>
             </a:xfrm>
             <a:prstGeom prst="rect">
               <a:avLst/>
@@ -5153,8 +5153,8 @@
           </p:nvSpPr>
           <p:spPr>
             <a:xfrm>
-              <a:off x="5196097" y="5296448"/>
-              <a:ext cx="264816" cy="138397"/>
+              <a:off x="6223841" y="3632521"/>
+              <a:ext cx="452730" cy="246222"/>
             </a:xfrm>
             <a:prstGeom prst="rect">
               <a:avLst/>
@@ -5189,8 +5189,8 @@
           </p:nvSpPr>
           <p:spPr>
             <a:xfrm>
-              <a:off x="3411226" y="5771287"/>
-              <a:ext cx="291151" cy="138397"/>
+              <a:off x="3172423" y="4477305"/>
+              <a:ext cx="497752" cy="246222"/>
             </a:xfrm>
             <a:prstGeom prst="rect">
               <a:avLst/>
@@ -5225,8 +5225,8 @@
           </p:nvSpPr>
           <p:spPr>
             <a:xfrm>
-              <a:off x="4713385" y="5782487"/>
-              <a:ext cx="331690" cy="138397"/>
+              <a:off x="5398596" y="4497231"/>
+              <a:ext cx="567058" cy="246222"/>
             </a:xfrm>
             <a:prstGeom prst="rect">
               <a:avLst/>
@@ -5261,8 +5261,8 @@
           </p:nvSpPr>
           <p:spPr>
             <a:xfrm>
-              <a:off x="3020398" y="6180002"/>
-              <a:ext cx="800428" cy="437273"/>
+              <a:off x="2504262" y="5204448"/>
+              <a:ext cx="1368413" cy="777951"/>
             </a:xfrm>
             <a:prstGeom prst="flowChartProcess">
               <a:avLst/>
@@ -5430,8 +5430,8 @@
           </p:nvSpPr>
           <p:spPr>
             <a:xfrm>
-              <a:off x="4313172" y="6180002"/>
-              <a:ext cx="800428" cy="437273"/>
+              <a:off x="4714391" y="5204448"/>
+              <a:ext cx="1368413" cy="777951"/>
             </a:xfrm>
             <a:prstGeom prst="flowChartProcess">
               <a:avLst/>
@@ -5599,8 +5599,8 @@
           </p:nvSpPr>
           <p:spPr>
             <a:xfrm>
-              <a:off x="1792339" y="7759000"/>
-              <a:ext cx="670996" cy="250218"/>
+              <a:off x="404771" y="8013638"/>
+              <a:ext cx="1147136" cy="445162"/>
             </a:xfrm>
             <a:prstGeom prst="flowChartProcess">
               <a:avLst/>
@@ -5747,8 +5747,8 @@
           </p:nvSpPr>
           <p:spPr>
             <a:xfrm>
-              <a:off x="3092229" y="7759000"/>
-              <a:ext cx="656762" cy="250218"/>
+              <a:off x="2627065" y="8013638"/>
+              <a:ext cx="1122801" cy="445162"/>
             </a:xfrm>
             <a:prstGeom prst="trapezoid">
               <a:avLst/>
@@ -5804,8 +5804,8 @@
           </p:nvCxnSpPr>
           <p:spPr>
             <a:xfrm>
-              <a:off x="2463336" y="7884109"/>
-              <a:ext cx="660170" cy="0"/>
+              <a:off x="1551908" y="8236218"/>
+              <a:ext cx="1128628" cy="0"/>
             </a:xfrm>
             <a:prstGeom prst="straightConnector1">
               <a:avLst/>
@@ -5847,8 +5847,8 @@
           </p:nvCxnSpPr>
           <p:spPr>
             <a:xfrm>
-              <a:off x="2529848" y="7247496"/>
-              <a:ext cx="593658" cy="636613"/>
+              <a:off x="1665617" y="7103623"/>
+              <a:ext cx="1014919" cy="1132596"/>
             </a:xfrm>
             <a:prstGeom prst="bentConnector3">
               <a:avLst/>
@@ -5886,8 +5886,8 @@
           </p:nvSpPr>
           <p:spPr>
             <a:xfrm>
-              <a:off x="4311375" y="7113649"/>
-              <a:ext cx="859617" cy="250218"/>
+              <a:off x="4711319" y="6865496"/>
+              <a:ext cx="1469603" cy="445162"/>
             </a:xfrm>
             <a:prstGeom prst="flowChartProcess">
               <a:avLst/>
@@ -6044,8 +6044,8 @@
           </p:nvCxnSpPr>
           <p:spPr>
             <a:xfrm flipH="1">
-              <a:off x="5170992" y="5495640"/>
-              <a:ext cx="90217" cy="1743118"/>
+              <a:off x="6180922" y="3986903"/>
+              <a:ext cx="154235" cy="3101174"/>
             </a:xfrm>
             <a:prstGeom prst="bentConnector3">
               <a:avLst>
@@ -6088,8 +6088,8 @@
           </p:nvCxnSpPr>
           <p:spPr>
             <a:xfrm>
-              <a:off x="3420610" y="8009218"/>
-              <a:ext cx="0" cy="257715"/>
+              <a:off x="3188465" y="8458799"/>
+              <a:ext cx="0" cy="458500"/>
             </a:xfrm>
             <a:prstGeom prst="straightConnector1">
               <a:avLst/>
@@ -6131,8 +6131,8 @@
           </p:nvCxnSpPr>
           <p:spPr>
             <a:xfrm rot="5400000">
-              <a:off x="3818812" y="6219075"/>
-              <a:ext cx="496374" cy="1292774"/>
+              <a:off x="3851985" y="5318883"/>
+              <a:ext cx="883097" cy="2210129"/>
             </a:xfrm>
             <a:prstGeom prst="bentConnector3">
               <a:avLst/>
@@ -6173,8 +6173,8 @@
           </p:nvCxnSpPr>
           <p:spPr>
             <a:xfrm flipH="1">
-              <a:off x="3756110" y="7238758"/>
-              <a:ext cx="555266" cy="0"/>
+              <a:off x="3762037" y="7088077"/>
+              <a:ext cx="949284" cy="0"/>
             </a:xfrm>
             <a:prstGeom prst="straightConnector1">
               <a:avLst/>
@@ -6215,8 +6215,8 @@
           </p:nvCxnSpPr>
           <p:spPr>
             <a:xfrm flipH="1">
-              <a:off x="3420610" y="7363867"/>
-              <a:ext cx="2" cy="395133"/>
+              <a:off x="3188465" y="7310658"/>
+              <a:ext cx="3" cy="702980"/>
             </a:xfrm>
             <a:prstGeom prst="straightConnector1">
               <a:avLst/>
@@ -6254,8 +6254,8 @@
           </p:nvSpPr>
           <p:spPr>
             <a:xfrm>
-              <a:off x="1792339" y="4729031"/>
-              <a:ext cx="670996" cy="250218"/>
+              <a:off x="404771" y="2623032"/>
+              <a:ext cx="1147136" cy="445162"/>
             </a:xfrm>
             <a:prstGeom prst="flowChartProcess">
               <a:avLst/>
@@ -6385,6 +6385,78 @@
                 <a:rPr lang="en-US" sz="1000" dirty="0"/>
                 <a:t>Read new Hall encoder value</a:t>
               </a:r>
+            </a:p>
+          </p:txBody>
+        </p:sp>
+        <p:sp>
+          <p:nvSpPr>
+            <p:cNvPr id="45" name="CuadroTexto 44">
+              <a:extLst>
+                <a:ext uri="{FF2B5EF4-FFF2-40B4-BE49-F238E27FC236}">
+                  <a16:creationId xmlns:a16="http://schemas.microsoft.com/office/drawing/2014/main" id="{7A658995-7354-4415-A541-80095A240FBE}"/>
+                </a:ext>
+              </a:extLst>
+            </p:cNvPr>
+            <p:cNvSpPr txBox="1"/>
+            <p:nvPr/>
+          </p:nvSpPr>
+          <p:spPr>
+            <a:xfrm>
+              <a:off x="984532" y="7648812"/>
+              <a:ext cx="508916" cy="246222"/>
+            </a:xfrm>
+            <a:prstGeom prst="rect">
+              <a:avLst/>
+            </a:prstGeom>
+            <a:noFill/>
+          </p:spPr>
+          <p:txBody>
+            <a:bodyPr wrap="square" rtlCol="0">
+              <a:spAutoFit/>
+            </a:bodyPr>
+            <a:lstStyle/>
+            <a:p>
+              <a:r>
+                <a:rPr lang="es-MX" sz="1000" dirty="0"/>
+                <a:t>yes</a:t>
+              </a:r>
+              <a:endParaRPr lang="en-GB" sz="1000" dirty="0"/>
+            </a:p>
+          </p:txBody>
+        </p:sp>
+        <p:sp>
+          <p:nvSpPr>
+            <p:cNvPr id="46" name="CuadroTexto 45">
+              <a:extLst>
+                <a:ext uri="{FF2B5EF4-FFF2-40B4-BE49-F238E27FC236}">
+                  <a16:creationId xmlns:a16="http://schemas.microsoft.com/office/drawing/2014/main" id="{85E19AA2-C425-4B6E-A177-7954336CE32C}"/>
+                </a:ext>
+              </a:extLst>
+            </p:cNvPr>
+            <p:cNvSpPr txBox="1"/>
+            <p:nvPr/>
+          </p:nvSpPr>
+          <p:spPr>
+            <a:xfrm>
+              <a:off x="1599018" y="6789538"/>
+              <a:ext cx="508916" cy="246222"/>
+            </a:xfrm>
+            <a:prstGeom prst="rect">
+              <a:avLst/>
+            </a:prstGeom>
+            <a:noFill/>
+          </p:spPr>
+          <p:txBody>
+            <a:bodyPr wrap="square" rtlCol="0">
+              <a:spAutoFit/>
+            </a:bodyPr>
+            <a:lstStyle/>
+            <a:p>
+              <a:r>
+                <a:rPr lang="es-MX" sz="1000" dirty="0"/>
+                <a:t>no</a:t>
+              </a:r>
+              <a:endParaRPr lang="en-GB" sz="1000" dirty="0"/>
             </a:p>
           </p:txBody>
         </p:sp>
